--- a/PPT/PyQt04-Widgets.pptx
+++ b/PPT/PyQt04-Widgets.pptx
@@ -4040,7 +4040,7 @@
           <a:p>
             <a:r>
               <a:rPr lang="fr-FR" dirty="0"/>
-              <a:t>LE plus simple</a:t>
+              <a:t>Le plus simple</a:t>
             </a:r>
           </a:p>
           <a:p>
@@ -4070,7 +4070,7 @@
             </a:r>
             <a:r>
               <a:rPr lang="fr-FR" dirty="0" err="1"/>
-              <a:t>Qwidget</a:t>
+              <a:t>QWidget</a:t>
             </a:r>
             <a:endParaRPr lang="fr-FR" dirty="0"/>
           </a:p>
